--- a/Contrib/kervinck/Images/EPROM-contents.pptx
+++ b/Contrib/kervinck/Images/EPROM-contents.pptx
@@ -261,7 +261,7 @@
           <a:p>
             <a:fld id="{26334C7A-867E-AC4B-8F9C-EEF5A785B69C}" type="datetimeFigureOut">
               <a:rPr lang="nl-NL" smtClean="0"/>
-              <a:t>24-11-19</a:t>
+              <a:t>14-12-19</a:t>
             </a:fld>
             <a:endParaRPr lang="nl-NL"/>
           </a:p>
@@ -461,7 +461,7 @@
           <a:p>
             <a:fld id="{26334C7A-867E-AC4B-8F9C-EEF5A785B69C}" type="datetimeFigureOut">
               <a:rPr lang="nl-NL" smtClean="0"/>
-              <a:t>24-11-19</a:t>
+              <a:t>14-12-19</a:t>
             </a:fld>
             <a:endParaRPr lang="nl-NL"/>
           </a:p>
@@ -671,7 +671,7 @@
           <a:p>
             <a:fld id="{26334C7A-867E-AC4B-8F9C-EEF5A785B69C}" type="datetimeFigureOut">
               <a:rPr lang="nl-NL" smtClean="0"/>
-              <a:t>24-11-19</a:t>
+              <a:t>14-12-19</a:t>
             </a:fld>
             <a:endParaRPr lang="nl-NL"/>
           </a:p>
@@ -871,7 +871,7 @@
           <a:p>
             <a:fld id="{26334C7A-867E-AC4B-8F9C-EEF5A785B69C}" type="datetimeFigureOut">
               <a:rPr lang="nl-NL" smtClean="0"/>
-              <a:t>24-11-19</a:t>
+              <a:t>14-12-19</a:t>
             </a:fld>
             <a:endParaRPr lang="nl-NL"/>
           </a:p>
@@ -1147,7 +1147,7 @@
           <a:p>
             <a:fld id="{26334C7A-867E-AC4B-8F9C-EEF5A785B69C}" type="datetimeFigureOut">
               <a:rPr lang="nl-NL" smtClean="0"/>
-              <a:t>24-11-19</a:t>
+              <a:t>14-12-19</a:t>
             </a:fld>
             <a:endParaRPr lang="nl-NL"/>
           </a:p>
@@ -1415,7 +1415,7 @@
           <a:p>
             <a:fld id="{26334C7A-867E-AC4B-8F9C-EEF5A785B69C}" type="datetimeFigureOut">
               <a:rPr lang="nl-NL" smtClean="0"/>
-              <a:t>24-11-19</a:t>
+              <a:t>14-12-19</a:t>
             </a:fld>
             <a:endParaRPr lang="nl-NL"/>
           </a:p>
@@ -1830,7 +1830,7 @@
           <a:p>
             <a:fld id="{26334C7A-867E-AC4B-8F9C-EEF5A785B69C}" type="datetimeFigureOut">
               <a:rPr lang="nl-NL" smtClean="0"/>
-              <a:t>24-11-19</a:t>
+              <a:t>14-12-19</a:t>
             </a:fld>
             <a:endParaRPr lang="nl-NL"/>
           </a:p>
@@ -1972,7 +1972,7 @@
           <a:p>
             <a:fld id="{26334C7A-867E-AC4B-8F9C-EEF5A785B69C}" type="datetimeFigureOut">
               <a:rPr lang="nl-NL" smtClean="0"/>
-              <a:t>24-11-19</a:t>
+              <a:t>14-12-19</a:t>
             </a:fld>
             <a:endParaRPr lang="nl-NL"/>
           </a:p>
@@ -2085,7 +2085,7 @@
           <a:p>
             <a:fld id="{26334C7A-867E-AC4B-8F9C-EEF5A785B69C}" type="datetimeFigureOut">
               <a:rPr lang="nl-NL" smtClean="0"/>
-              <a:t>24-11-19</a:t>
+              <a:t>14-12-19</a:t>
             </a:fld>
             <a:endParaRPr lang="nl-NL"/>
           </a:p>
@@ -2398,7 +2398,7 @@
           <a:p>
             <a:fld id="{26334C7A-867E-AC4B-8F9C-EEF5A785B69C}" type="datetimeFigureOut">
               <a:rPr lang="nl-NL" smtClean="0"/>
-              <a:t>24-11-19</a:t>
+              <a:t>14-12-19</a:t>
             </a:fld>
             <a:endParaRPr lang="nl-NL"/>
           </a:p>
@@ -2687,7 +2687,7 @@
           <a:p>
             <a:fld id="{26334C7A-867E-AC4B-8F9C-EEF5A785B69C}" type="datetimeFigureOut">
               <a:rPr lang="nl-NL" smtClean="0"/>
-              <a:t>24-11-19</a:t>
+              <a:t>14-12-19</a:t>
             </a:fld>
             <a:endParaRPr lang="nl-NL"/>
           </a:p>
@@ -2930,7 +2930,7 @@
           <a:p>
             <a:fld id="{26334C7A-867E-AC4B-8F9C-EEF5A785B69C}" type="datetimeFigureOut">
               <a:rPr lang="nl-NL" smtClean="0"/>
-              <a:t>24-11-19</a:t>
+              <a:t>14-12-19</a:t>
             </a:fld>
             <a:endParaRPr lang="nl-NL"/>
           </a:p>
@@ -3409,10 +3409,10 @@
       </p:sp>
       <p:sp>
         <p:nvSpPr>
-          <p:cNvPr id="4" name="Rectangle 3">
-            <a:extLst>
-              <a:ext uri="{FF2B5EF4-FFF2-40B4-BE49-F238E27FC236}">
-                <a16:creationId xmlns:a16="http://schemas.microsoft.com/office/drawing/2014/main" id="{17275D5D-568E-D74B-9CA5-A6213428DD02}"/>
+          <p:cNvPr id="11" name="Rectangle 10">
+            <a:extLst>
+              <a:ext uri="{FF2B5EF4-FFF2-40B4-BE49-F238E27FC236}">
+                <a16:creationId xmlns:a16="http://schemas.microsoft.com/office/drawing/2014/main" id="{85209D7D-E9C7-6A49-A7F7-B0760E5F773D}"/>
               </a:ext>
             </a:extLst>
           </p:cNvPr>
@@ -3421,8 +3421,8 @@
         </p:nvSpPr>
         <p:spPr>
           <a:xfrm>
-            <a:off x="2770665" y="2166120"/>
-            <a:ext cx="1401529" cy="650422"/>
+            <a:off x="5440332" y="2166120"/>
+            <a:ext cx="5666513" cy="2972742"/>
           </a:xfrm>
           <a:prstGeom prst="rect">
             <a:avLst/>
@@ -3457,261 +3457,6 @@
           <a:lstStyle/>
           <a:p>
             <a:pPr algn="ctr"/>
-            <a:r>
-              <a:rPr lang="en-GB" dirty="0">
-                <a:solidFill>
-                  <a:schemeClr val="tx1"/>
-                </a:solidFill>
-              </a:rPr>
-              <a:t>16-bit vCPU</a:t>
-            </a:r>
-          </a:p>
-        </p:txBody>
-      </p:sp>
-      <p:sp>
-        <p:nvSpPr>
-          <p:cNvPr id="8" name="Rectangle 7">
-            <a:extLst>
-              <a:ext uri="{FF2B5EF4-FFF2-40B4-BE49-F238E27FC236}">
-                <a16:creationId xmlns:a16="http://schemas.microsoft.com/office/drawing/2014/main" id="{CFC00C82-2030-C54C-86F9-A924621933C8}"/>
-              </a:ext>
-            </a:extLst>
-          </p:cNvPr>
-          <p:cNvSpPr/>
-          <p:nvPr/>
-        </p:nvSpPr>
-        <p:spPr>
-          <a:xfrm>
-            <a:off x="1180820" y="2166120"/>
-            <a:ext cx="1401529" cy="650422"/>
-          </a:xfrm>
-          <a:prstGeom prst="rect">
-            <a:avLst/>
-          </a:prstGeom>
-          <a:solidFill>
-            <a:schemeClr val="bg1"/>
-          </a:solidFill>
-          <a:ln>
-            <a:solidFill>
-              <a:schemeClr val="tx1"/>
-            </a:solidFill>
-          </a:ln>
-        </p:spPr>
-        <p:style>
-          <a:lnRef idx="2">
-            <a:schemeClr val="accent1">
-              <a:shade val="50000"/>
-            </a:schemeClr>
-          </a:lnRef>
-          <a:fillRef idx="1">
-            <a:schemeClr val="accent1"/>
-          </a:fillRef>
-          <a:effectRef idx="0">
-            <a:schemeClr val="accent1"/>
-          </a:effectRef>
-          <a:fontRef idx="minor">
-            <a:schemeClr val="lt1"/>
-          </a:fontRef>
-        </p:style>
-        <p:txBody>
-          <a:bodyPr rtlCol="0" anchor="ctr"/>
-          <a:lstStyle/>
-          <a:p>
-            <a:pPr algn="ctr"/>
-            <a:r>
-              <a:rPr lang="en-GB" dirty="0">
-                <a:solidFill>
-                  <a:schemeClr val="tx1"/>
-                </a:solidFill>
-              </a:rPr>
-              <a:t>VGA</a:t>
-            </a:r>
-          </a:p>
-          <a:p>
-            <a:pPr algn="ctr"/>
-            <a:r>
-              <a:rPr lang="en-GB" dirty="0">
-                <a:solidFill>
-                  <a:schemeClr val="tx1"/>
-                </a:solidFill>
-              </a:rPr>
-              <a:t>video card</a:t>
-            </a:r>
-          </a:p>
-        </p:txBody>
-      </p:sp>
-      <p:sp>
-        <p:nvSpPr>
-          <p:cNvPr id="9" name="Rectangle 8">
-            <a:extLst>
-              <a:ext uri="{FF2B5EF4-FFF2-40B4-BE49-F238E27FC236}">
-                <a16:creationId xmlns:a16="http://schemas.microsoft.com/office/drawing/2014/main" id="{E8728177-77E2-F642-A888-FC9B8727706F}"/>
-              </a:ext>
-            </a:extLst>
-          </p:cNvPr>
-          <p:cNvSpPr/>
-          <p:nvPr/>
-        </p:nvSpPr>
-        <p:spPr>
-          <a:xfrm>
-            <a:off x="4360510" y="3688224"/>
-            <a:ext cx="1401529" cy="650422"/>
-          </a:xfrm>
-          <a:prstGeom prst="rect">
-            <a:avLst/>
-          </a:prstGeom>
-          <a:solidFill>
-            <a:schemeClr val="bg1"/>
-          </a:solidFill>
-          <a:ln>
-            <a:solidFill>
-              <a:schemeClr val="tx1"/>
-            </a:solidFill>
-          </a:ln>
-        </p:spPr>
-        <p:style>
-          <a:lnRef idx="2">
-            <a:schemeClr val="accent1">
-              <a:shade val="50000"/>
-            </a:schemeClr>
-          </a:lnRef>
-          <a:fillRef idx="1">
-            <a:schemeClr val="accent1"/>
-          </a:fillRef>
-          <a:effectRef idx="0">
-            <a:schemeClr val="accent1"/>
-          </a:effectRef>
-          <a:fontRef idx="minor">
-            <a:schemeClr val="lt1"/>
-          </a:fontRef>
-        </p:style>
-        <p:txBody>
-          <a:bodyPr rtlCol="0" anchor="ctr"/>
-          <a:lstStyle/>
-          <a:p>
-            <a:pPr algn="ctr"/>
-            <a:r>
-              <a:rPr lang="en-GB" dirty="0">
-                <a:solidFill>
-                  <a:schemeClr val="tx1"/>
-                </a:solidFill>
-              </a:rPr>
-              <a:t>Input controller</a:t>
-            </a:r>
-          </a:p>
-        </p:txBody>
-      </p:sp>
-      <p:sp>
-        <p:nvSpPr>
-          <p:cNvPr id="10" name="Rectangle 9">
-            <a:extLst>
-              <a:ext uri="{FF2B5EF4-FFF2-40B4-BE49-F238E27FC236}">
-                <a16:creationId xmlns:a16="http://schemas.microsoft.com/office/drawing/2014/main" id="{E2288660-E0CF-7A41-8912-F035FD934D8A}"/>
-              </a:ext>
-            </a:extLst>
-          </p:cNvPr>
-          <p:cNvSpPr/>
-          <p:nvPr/>
-        </p:nvSpPr>
-        <p:spPr>
-          <a:xfrm>
-            <a:off x="2770665" y="2927172"/>
-            <a:ext cx="1401529" cy="650422"/>
-          </a:xfrm>
-          <a:prstGeom prst="rect">
-            <a:avLst/>
-          </a:prstGeom>
-          <a:solidFill>
-            <a:schemeClr val="bg1"/>
-          </a:solidFill>
-          <a:ln>
-            <a:solidFill>
-              <a:schemeClr val="tx1"/>
-            </a:solidFill>
-          </a:ln>
-        </p:spPr>
-        <p:style>
-          <a:lnRef idx="2">
-            <a:schemeClr val="accent1">
-              <a:shade val="50000"/>
-            </a:schemeClr>
-          </a:lnRef>
-          <a:fillRef idx="1">
-            <a:schemeClr val="accent1"/>
-          </a:fillRef>
-          <a:effectRef idx="0">
-            <a:schemeClr val="accent1"/>
-          </a:effectRef>
-          <a:fontRef idx="minor">
-            <a:schemeClr val="lt1"/>
-          </a:fontRef>
-        </p:style>
-        <p:txBody>
-          <a:bodyPr rtlCol="0" anchor="ctr"/>
-          <a:lstStyle/>
-          <a:p>
-            <a:pPr algn="ctr"/>
-            <a:r>
-              <a:rPr lang="en-GB" dirty="0">
-                <a:solidFill>
-                  <a:schemeClr val="tx1"/>
-                </a:solidFill>
-              </a:rPr>
-              <a:t>8-bit v6502</a:t>
-            </a:r>
-          </a:p>
-        </p:txBody>
-      </p:sp>
-      <p:sp>
-        <p:nvSpPr>
-          <p:cNvPr id="11" name="Rectangle 10">
-            <a:extLst>
-              <a:ext uri="{FF2B5EF4-FFF2-40B4-BE49-F238E27FC236}">
-                <a16:creationId xmlns:a16="http://schemas.microsoft.com/office/drawing/2014/main" id="{85209D7D-E9C7-6A49-A7F7-B0760E5F773D}"/>
-              </a:ext>
-            </a:extLst>
-          </p:cNvPr>
-          <p:cNvSpPr/>
-          <p:nvPr/>
-        </p:nvSpPr>
-        <p:spPr>
-          <a:xfrm>
-            <a:off x="5949532" y="2166120"/>
-            <a:ext cx="5157313" cy="2972742"/>
-          </a:xfrm>
-          <a:prstGeom prst="rect">
-            <a:avLst/>
-          </a:prstGeom>
-          <a:solidFill>
-            <a:schemeClr val="bg1"/>
-          </a:solidFill>
-          <a:ln>
-            <a:solidFill>
-              <a:schemeClr val="tx1"/>
-            </a:solidFill>
-          </a:ln>
-        </p:spPr>
-        <p:style>
-          <a:lnRef idx="2">
-            <a:schemeClr val="accent1">
-              <a:shade val="50000"/>
-            </a:schemeClr>
-          </a:lnRef>
-          <a:fillRef idx="1">
-            <a:schemeClr val="accent1"/>
-          </a:fillRef>
-          <a:effectRef idx="0">
-            <a:schemeClr val="accent1"/>
-          </a:effectRef>
-          <a:fontRef idx="minor">
-            <a:schemeClr val="lt1"/>
-          </a:fontRef>
-        </p:style>
-        <p:txBody>
-          <a:bodyPr rtlCol="0" anchor="ctr"/>
-          <a:lstStyle/>
-          <a:p>
-            <a:pPr algn="ctr"/>
             <a:endParaRPr lang="en-GB" sz="1200" dirty="0">
               <a:solidFill>
                 <a:schemeClr val="tx1"/>
@@ -3720,494 +3465,770 @@
           </a:p>
         </p:txBody>
       </p:sp>
-      <p:sp>
-        <p:nvSpPr>
-          <p:cNvPr id="12" name="Rectangle 11">
-            <a:extLst>
-              <a:ext uri="{FF2B5EF4-FFF2-40B4-BE49-F238E27FC236}">
-                <a16:creationId xmlns:a16="http://schemas.microsoft.com/office/drawing/2014/main" id="{1680A0E9-4C2C-DB45-9680-5FE1C5AD0AB9}"/>
-              </a:ext>
-            </a:extLst>
-          </p:cNvPr>
-          <p:cNvSpPr/>
+      <p:grpSp>
+        <p:nvGrpSpPr>
+          <p:cNvPr id="3" name="Group 2">
+            <a:extLst>
+              <a:ext uri="{FF2B5EF4-FFF2-40B4-BE49-F238E27FC236}">
+                <a16:creationId xmlns:a16="http://schemas.microsoft.com/office/drawing/2014/main" id="{53DFF37C-0414-5048-B99D-E74C1501F3D0}"/>
+              </a:ext>
+            </a:extLst>
+          </p:cNvPr>
+          <p:cNvGrpSpPr/>
           <p:nvPr/>
-        </p:nvSpPr>
-        <p:spPr>
+        </p:nvGrpSpPr>
+        <p:grpSpPr>
           <a:xfrm>
-            <a:off x="4360510" y="2927172"/>
-            <a:ext cx="1401529" cy="650422"/>
-          </a:xfrm>
-          <a:prstGeom prst="rect">
-            <a:avLst/>
-          </a:prstGeom>
-          <a:solidFill>
-            <a:schemeClr val="bg1"/>
-          </a:solidFill>
-          <a:ln>
+            <a:off x="1206578" y="2166120"/>
+            <a:ext cx="4037411" cy="2963662"/>
+            <a:chOff x="1180820" y="2166120"/>
+            <a:chExt cx="4037411" cy="2963662"/>
+          </a:xfrm>
+        </p:grpSpPr>
+        <p:sp>
+          <p:nvSpPr>
+            <p:cNvPr id="4" name="Rectangle 3">
+              <a:extLst>
+                <a:ext uri="{FF2B5EF4-FFF2-40B4-BE49-F238E27FC236}">
+                  <a16:creationId xmlns:a16="http://schemas.microsoft.com/office/drawing/2014/main" id="{17275D5D-568E-D74B-9CA5-A6213428DD02}"/>
+                </a:ext>
+              </a:extLst>
+            </p:cNvPr>
+            <p:cNvSpPr/>
+            <p:nvPr/>
+          </p:nvSpPr>
+          <p:spPr>
+            <a:xfrm>
+              <a:off x="2563656" y="2166120"/>
+              <a:ext cx="1271071" cy="650422"/>
+            </a:xfrm>
+            <a:prstGeom prst="rect">
+              <a:avLst/>
+            </a:prstGeom>
             <a:solidFill>
-              <a:schemeClr val="tx1"/>
+              <a:schemeClr val="bg1"/>
             </a:solidFill>
-          </a:ln>
-        </p:spPr>
-        <p:style>
-          <a:lnRef idx="2">
-            <a:schemeClr val="accent1">
-              <a:shade val="50000"/>
-            </a:schemeClr>
-          </a:lnRef>
-          <a:fillRef idx="1">
-            <a:schemeClr val="accent1"/>
-          </a:fillRef>
-          <a:effectRef idx="0">
-            <a:schemeClr val="accent1"/>
-          </a:effectRef>
-          <a:fontRef idx="minor">
-            <a:schemeClr val="lt1"/>
-          </a:fontRef>
-        </p:style>
-        <p:txBody>
-          <a:bodyPr rtlCol="0" anchor="ctr"/>
-          <a:lstStyle/>
-          <a:p>
-            <a:pPr algn="ctr"/>
-            <a:r>
-              <a:rPr lang="en-GB" dirty="0">
-                <a:solidFill>
-                  <a:schemeClr val="tx1"/>
-                </a:solidFill>
-              </a:rPr>
-              <a:t>Reset button</a:t>
-            </a:r>
-          </a:p>
-        </p:txBody>
-      </p:sp>
-      <p:sp>
-        <p:nvSpPr>
-          <p:cNvPr id="13" name="Rectangle 12">
-            <a:extLst>
-              <a:ext uri="{FF2B5EF4-FFF2-40B4-BE49-F238E27FC236}">
-                <a16:creationId xmlns:a16="http://schemas.microsoft.com/office/drawing/2014/main" id="{B0419F08-D237-4A4D-B99B-AC94731A1B44}"/>
-              </a:ext>
-            </a:extLst>
-          </p:cNvPr>
-          <p:cNvSpPr/>
-          <p:nvPr/>
-        </p:nvSpPr>
-        <p:spPr>
-          <a:xfrm>
-            <a:off x="1180820" y="3703266"/>
-            <a:ext cx="1401529" cy="650422"/>
-          </a:xfrm>
-          <a:prstGeom prst="rect">
-            <a:avLst/>
-          </a:prstGeom>
-          <a:solidFill>
-            <a:schemeClr val="bg1"/>
-          </a:solidFill>
-          <a:ln>
+            <a:ln>
+              <a:solidFill>
+                <a:schemeClr val="tx1"/>
+              </a:solidFill>
+            </a:ln>
+          </p:spPr>
+          <p:style>
+            <a:lnRef idx="2">
+              <a:schemeClr val="accent1">
+                <a:shade val="50000"/>
+              </a:schemeClr>
+            </a:lnRef>
+            <a:fillRef idx="1">
+              <a:schemeClr val="accent1"/>
+            </a:fillRef>
+            <a:effectRef idx="0">
+              <a:schemeClr val="accent1"/>
+            </a:effectRef>
+            <a:fontRef idx="minor">
+              <a:schemeClr val="lt1"/>
+            </a:fontRef>
+          </p:style>
+          <p:txBody>
+            <a:bodyPr rtlCol="0" anchor="ctr"/>
+            <a:lstStyle/>
+            <a:p>
+              <a:pPr algn="ctr"/>
+              <a:r>
+                <a:rPr lang="en-GB" sz="1600" dirty="0">
+                  <a:solidFill>
+                    <a:schemeClr val="tx1"/>
+                  </a:solidFill>
+                </a:rPr>
+                <a:t>16-bit vCPU</a:t>
+              </a:r>
+            </a:p>
+          </p:txBody>
+        </p:sp>
+        <p:sp>
+          <p:nvSpPr>
+            <p:cNvPr id="8" name="Rectangle 7">
+              <a:extLst>
+                <a:ext uri="{FF2B5EF4-FFF2-40B4-BE49-F238E27FC236}">
+                  <a16:creationId xmlns:a16="http://schemas.microsoft.com/office/drawing/2014/main" id="{CFC00C82-2030-C54C-86F9-A924621933C8}"/>
+                </a:ext>
+              </a:extLst>
+            </p:cNvPr>
+            <p:cNvSpPr/>
+            <p:nvPr/>
+          </p:nvSpPr>
+          <p:spPr>
+            <a:xfrm>
+              <a:off x="1180820" y="2166120"/>
+              <a:ext cx="1271071" cy="650422"/>
+            </a:xfrm>
+            <a:prstGeom prst="rect">
+              <a:avLst/>
+            </a:prstGeom>
             <a:solidFill>
-              <a:schemeClr val="tx1"/>
+              <a:schemeClr val="bg1"/>
             </a:solidFill>
-          </a:ln>
-        </p:spPr>
-        <p:style>
-          <a:lnRef idx="2">
-            <a:schemeClr val="accent1">
-              <a:shade val="50000"/>
-            </a:schemeClr>
-          </a:lnRef>
-          <a:fillRef idx="1">
-            <a:schemeClr val="accent1"/>
-          </a:fillRef>
-          <a:effectRef idx="0">
-            <a:schemeClr val="accent1"/>
-          </a:effectRef>
-          <a:fontRef idx="minor">
-            <a:schemeClr val="lt1"/>
-          </a:fontRef>
-        </p:style>
-        <p:txBody>
-          <a:bodyPr rtlCol="0" anchor="ctr"/>
-          <a:lstStyle/>
-          <a:p>
-            <a:pPr algn="ctr"/>
-            <a:r>
-              <a:rPr lang="en-GB" dirty="0">
-                <a:solidFill>
-                  <a:schemeClr val="tx1"/>
-                </a:solidFill>
-              </a:rPr>
-              <a:t>LED runner</a:t>
-            </a:r>
-          </a:p>
-        </p:txBody>
-      </p:sp>
-      <p:sp>
-        <p:nvSpPr>
-          <p:cNvPr id="15" name="Rectangle 14">
-            <a:extLst>
-              <a:ext uri="{FF2B5EF4-FFF2-40B4-BE49-F238E27FC236}">
-                <a16:creationId xmlns:a16="http://schemas.microsoft.com/office/drawing/2014/main" id="{6B8FE807-864F-C44D-A7B9-77664D1DBAB3}"/>
-              </a:ext>
-            </a:extLst>
-          </p:cNvPr>
-          <p:cNvSpPr/>
-          <p:nvPr/>
-        </p:nvSpPr>
-        <p:spPr>
-          <a:xfrm>
-            <a:off x="1180820" y="2927172"/>
-            <a:ext cx="1401528" cy="650422"/>
-          </a:xfrm>
-          <a:prstGeom prst="rect">
-            <a:avLst/>
-          </a:prstGeom>
-          <a:solidFill>
-            <a:schemeClr val="bg1"/>
-          </a:solidFill>
-          <a:ln>
+            <a:ln>
+              <a:solidFill>
+                <a:schemeClr val="tx1"/>
+              </a:solidFill>
+            </a:ln>
+          </p:spPr>
+          <p:style>
+            <a:lnRef idx="2">
+              <a:schemeClr val="accent1">
+                <a:shade val="50000"/>
+              </a:schemeClr>
+            </a:lnRef>
+            <a:fillRef idx="1">
+              <a:schemeClr val="accent1"/>
+            </a:fillRef>
+            <a:effectRef idx="0">
+              <a:schemeClr val="accent1"/>
+            </a:effectRef>
+            <a:fontRef idx="minor">
+              <a:schemeClr val="lt1"/>
+            </a:fontRef>
+          </p:style>
+          <p:txBody>
+            <a:bodyPr rtlCol="0" anchor="ctr"/>
+            <a:lstStyle/>
+            <a:p>
+              <a:pPr algn="ctr"/>
+              <a:r>
+                <a:rPr lang="en-GB" sz="1600" dirty="0">
+                  <a:solidFill>
+                    <a:schemeClr val="tx1"/>
+                  </a:solidFill>
+                </a:rPr>
+                <a:t>VGA</a:t>
+              </a:r>
+            </a:p>
+            <a:p>
+              <a:pPr algn="ctr"/>
+              <a:r>
+                <a:rPr lang="en-GB" sz="1600" dirty="0">
+                  <a:solidFill>
+                    <a:schemeClr val="tx1"/>
+                  </a:solidFill>
+                </a:rPr>
+                <a:t>video card</a:t>
+              </a:r>
+            </a:p>
+          </p:txBody>
+        </p:sp>
+        <p:sp>
+          <p:nvSpPr>
+            <p:cNvPr id="9" name="Rectangle 8">
+              <a:extLst>
+                <a:ext uri="{FF2B5EF4-FFF2-40B4-BE49-F238E27FC236}">
+                  <a16:creationId xmlns:a16="http://schemas.microsoft.com/office/drawing/2014/main" id="{E8728177-77E2-F642-A888-FC9B8727706F}"/>
+                </a:ext>
+              </a:extLst>
+            </p:cNvPr>
+            <p:cNvSpPr/>
+            <p:nvPr/>
+          </p:nvSpPr>
+          <p:spPr>
+            <a:xfrm>
+              <a:off x="3947159" y="3703266"/>
+              <a:ext cx="1271071" cy="650422"/>
+            </a:xfrm>
+            <a:prstGeom prst="rect">
+              <a:avLst/>
+            </a:prstGeom>
             <a:solidFill>
-              <a:schemeClr val="tx1"/>
+              <a:schemeClr val="bg1"/>
             </a:solidFill>
-          </a:ln>
-        </p:spPr>
-        <p:style>
-          <a:lnRef idx="2">
-            <a:schemeClr val="accent1">
-              <a:shade val="50000"/>
-            </a:schemeClr>
-          </a:lnRef>
-          <a:fillRef idx="1">
-            <a:schemeClr val="accent1"/>
-          </a:fillRef>
-          <a:effectRef idx="0">
-            <a:schemeClr val="accent1"/>
-          </a:effectRef>
-          <a:fontRef idx="minor">
-            <a:schemeClr val="lt1"/>
-          </a:fontRef>
-        </p:style>
-        <p:txBody>
-          <a:bodyPr rtlCol="0" anchor="ctr"/>
-          <a:lstStyle/>
-          <a:p>
-            <a:pPr algn="ctr"/>
-            <a:r>
-              <a:rPr lang="en-GB" dirty="0">
-                <a:solidFill>
-                  <a:schemeClr val="tx1"/>
-                </a:solidFill>
-              </a:rPr>
-              <a:t>4 channel synthesizer</a:t>
-            </a:r>
-          </a:p>
-        </p:txBody>
-      </p:sp>
-      <p:sp>
-        <p:nvSpPr>
-          <p:cNvPr id="16" name="Rectangle 15">
-            <a:extLst>
-              <a:ext uri="{FF2B5EF4-FFF2-40B4-BE49-F238E27FC236}">
-                <a16:creationId xmlns:a16="http://schemas.microsoft.com/office/drawing/2014/main" id="{4D168E63-FD0E-9F49-A431-58A16B4C34D9}"/>
-              </a:ext>
-            </a:extLst>
-          </p:cNvPr>
-          <p:cNvSpPr/>
-          <p:nvPr/>
-        </p:nvSpPr>
-        <p:spPr>
-          <a:xfrm>
-            <a:off x="4360510" y="4488440"/>
-            <a:ext cx="1401528" cy="650422"/>
-          </a:xfrm>
-          <a:prstGeom prst="rect">
-            <a:avLst/>
-          </a:prstGeom>
-          <a:solidFill>
-            <a:schemeClr val="bg1"/>
-          </a:solidFill>
-          <a:ln>
+            <a:ln>
+              <a:solidFill>
+                <a:schemeClr val="tx1"/>
+              </a:solidFill>
+            </a:ln>
+          </p:spPr>
+          <p:style>
+            <a:lnRef idx="2">
+              <a:schemeClr val="accent1">
+                <a:shade val="50000"/>
+              </a:schemeClr>
+            </a:lnRef>
+            <a:fillRef idx="1">
+              <a:schemeClr val="accent1"/>
+            </a:fillRef>
+            <a:effectRef idx="0">
+              <a:schemeClr val="accent1"/>
+            </a:effectRef>
+            <a:fontRef idx="minor">
+              <a:schemeClr val="lt1"/>
+            </a:fontRef>
+          </p:style>
+          <p:txBody>
+            <a:bodyPr rtlCol="0" anchor="ctr"/>
+            <a:lstStyle/>
+            <a:p>
+              <a:pPr algn="ctr"/>
+              <a:r>
+                <a:rPr lang="en-GB" sz="1600" dirty="0">
+                  <a:solidFill>
+                    <a:schemeClr val="tx1"/>
+                  </a:solidFill>
+                </a:rPr>
+                <a:t>Input controller</a:t>
+              </a:r>
+            </a:p>
+          </p:txBody>
+        </p:sp>
+        <p:sp>
+          <p:nvSpPr>
+            <p:cNvPr id="10" name="Rectangle 9">
+              <a:extLst>
+                <a:ext uri="{FF2B5EF4-FFF2-40B4-BE49-F238E27FC236}">
+                  <a16:creationId xmlns:a16="http://schemas.microsoft.com/office/drawing/2014/main" id="{E2288660-E0CF-7A41-8912-F035FD934D8A}"/>
+                </a:ext>
+              </a:extLst>
+            </p:cNvPr>
+            <p:cNvSpPr/>
+            <p:nvPr/>
+          </p:nvSpPr>
+          <p:spPr>
+            <a:xfrm>
+              <a:off x="2563837" y="2927172"/>
+              <a:ext cx="1271071" cy="650422"/>
+            </a:xfrm>
+            <a:prstGeom prst="rect">
+              <a:avLst/>
+            </a:prstGeom>
             <a:solidFill>
-              <a:schemeClr val="tx1"/>
+              <a:schemeClr val="bg1"/>
             </a:solidFill>
-          </a:ln>
-        </p:spPr>
-        <p:style>
-          <a:lnRef idx="2">
-            <a:schemeClr val="accent1">
-              <a:shade val="50000"/>
-            </a:schemeClr>
-          </a:lnRef>
-          <a:fillRef idx="1">
-            <a:schemeClr val="accent1"/>
-          </a:fillRef>
-          <a:effectRef idx="0">
-            <a:schemeClr val="accent1"/>
-          </a:effectRef>
-          <a:fontRef idx="minor">
-            <a:schemeClr val="lt1"/>
-          </a:fontRef>
-        </p:style>
-        <p:txBody>
-          <a:bodyPr rtlCol="0" anchor="ctr"/>
-          <a:lstStyle/>
-          <a:p>
-            <a:pPr algn="ctr"/>
-            <a:r>
-              <a:rPr lang="en-GB" dirty="0">
-                <a:solidFill>
-                  <a:schemeClr val="tx1"/>
-                </a:solidFill>
-              </a:rPr>
-              <a:t>Entropy mixer</a:t>
-            </a:r>
-          </a:p>
-        </p:txBody>
-      </p:sp>
-      <p:sp>
-        <p:nvSpPr>
-          <p:cNvPr id="17" name="Rectangle 16">
-            <a:extLst>
-              <a:ext uri="{FF2B5EF4-FFF2-40B4-BE49-F238E27FC236}">
-                <a16:creationId xmlns:a16="http://schemas.microsoft.com/office/drawing/2014/main" id="{8FAEFC0F-E43D-9848-B015-D5BA4A7167D0}"/>
-              </a:ext>
-            </a:extLst>
-          </p:cNvPr>
-          <p:cNvSpPr/>
-          <p:nvPr/>
-        </p:nvSpPr>
-        <p:spPr>
-          <a:xfrm>
-            <a:off x="4360510" y="2166120"/>
-            <a:ext cx="1401529" cy="650422"/>
-          </a:xfrm>
-          <a:prstGeom prst="rect">
-            <a:avLst/>
-          </a:prstGeom>
-          <a:solidFill>
-            <a:schemeClr val="bg1"/>
-          </a:solidFill>
-          <a:ln>
+            <a:ln>
+              <a:solidFill>
+                <a:schemeClr val="tx1"/>
+              </a:solidFill>
+            </a:ln>
+          </p:spPr>
+          <p:style>
+            <a:lnRef idx="2">
+              <a:schemeClr val="accent1">
+                <a:shade val="50000"/>
+              </a:schemeClr>
+            </a:lnRef>
+            <a:fillRef idx="1">
+              <a:schemeClr val="accent1"/>
+            </a:fillRef>
+            <a:effectRef idx="0">
+              <a:schemeClr val="accent1"/>
+            </a:effectRef>
+            <a:fontRef idx="minor">
+              <a:schemeClr val="lt1"/>
+            </a:fontRef>
+          </p:style>
+          <p:txBody>
+            <a:bodyPr rtlCol="0" anchor="ctr"/>
+            <a:lstStyle/>
+            <a:p>
+              <a:pPr algn="ctr"/>
+              <a:r>
+                <a:rPr lang="en-GB" sz="1600" dirty="0">
+                  <a:solidFill>
+                    <a:schemeClr val="tx1"/>
+                  </a:solidFill>
+                </a:rPr>
+                <a:t>8-bit v6502</a:t>
+              </a:r>
+            </a:p>
+          </p:txBody>
+        </p:sp>
+        <p:sp>
+          <p:nvSpPr>
+            <p:cNvPr id="12" name="Rectangle 11">
+              <a:extLst>
+                <a:ext uri="{FF2B5EF4-FFF2-40B4-BE49-F238E27FC236}">
+                  <a16:creationId xmlns:a16="http://schemas.microsoft.com/office/drawing/2014/main" id="{1680A0E9-4C2C-DB45-9680-5FE1C5AD0AB9}"/>
+                </a:ext>
+              </a:extLst>
+            </p:cNvPr>
+            <p:cNvSpPr/>
+            <p:nvPr/>
+          </p:nvSpPr>
+          <p:spPr>
+            <a:xfrm>
+              <a:off x="3947160" y="2927172"/>
+              <a:ext cx="1271071" cy="650422"/>
+            </a:xfrm>
+            <a:prstGeom prst="rect">
+              <a:avLst/>
+            </a:prstGeom>
             <a:solidFill>
-              <a:schemeClr val="tx1"/>
+              <a:schemeClr val="bg1"/>
             </a:solidFill>
-          </a:ln>
-        </p:spPr>
-        <p:style>
-          <a:lnRef idx="2">
-            <a:schemeClr val="accent1">
-              <a:shade val="50000"/>
-            </a:schemeClr>
-          </a:lnRef>
-          <a:fillRef idx="1">
-            <a:schemeClr val="accent1"/>
-          </a:fillRef>
-          <a:effectRef idx="0">
-            <a:schemeClr val="accent1"/>
-          </a:effectRef>
-          <a:fontRef idx="minor">
-            <a:schemeClr val="lt1"/>
-          </a:fontRef>
-        </p:style>
-        <p:txBody>
-          <a:bodyPr rtlCol="0" anchor="ctr"/>
-          <a:lstStyle/>
-          <a:p>
-            <a:pPr algn="ctr"/>
-            <a:r>
-              <a:rPr lang="en-GB" dirty="0">
-                <a:solidFill>
-                  <a:schemeClr val="tx1"/>
-                </a:solidFill>
-              </a:rPr>
-              <a:t>Cold start</a:t>
-            </a:r>
-          </a:p>
-        </p:txBody>
-      </p:sp>
-      <p:sp>
-        <p:nvSpPr>
-          <p:cNvPr id="18" name="Rectangle 17">
-            <a:extLst>
-              <a:ext uri="{FF2B5EF4-FFF2-40B4-BE49-F238E27FC236}">
-                <a16:creationId xmlns:a16="http://schemas.microsoft.com/office/drawing/2014/main" id="{D6388605-284A-4E41-892A-E3078440F2E3}"/>
-              </a:ext>
-            </a:extLst>
-          </p:cNvPr>
-          <p:cNvSpPr/>
-          <p:nvPr/>
-        </p:nvSpPr>
-        <p:spPr>
-          <a:xfrm>
-            <a:off x="1180820" y="4479360"/>
-            <a:ext cx="1401529" cy="650422"/>
-          </a:xfrm>
-          <a:prstGeom prst="rect">
-            <a:avLst/>
-          </a:prstGeom>
-          <a:solidFill>
-            <a:schemeClr val="bg1"/>
-          </a:solidFill>
-          <a:ln>
+            <a:ln>
+              <a:solidFill>
+                <a:schemeClr val="tx1"/>
+              </a:solidFill>
+            </a:ln>
+          </p:spPr>
+          <p:style>
+            <a:lnRef idx="2">
+              <a:schemeClr val="accent1">
+                <a:shade val="50000"/>
+              </a:schemeClr>
+            </a:lnRef>
+            <a:fillRef idx="1">
+              <a:schemeClr val="accent1"/>
+            </a:fillRef>
+            <a:effectRef idx="0">
+              <a:schemeClr val="accent1"/>
+            </a:effectRef>
+            <a:fontRef idx="minor">
+              <a:schemeClr val="lt1"/>
+            </a:fontRef>
+          </p:style>
+          <p:txBody>
+            <a:bodyPr rtlCol="0" anchor="ctr"/>
+            <a:lstStyle/>
+            <a:p>
+              <a:pPr algn="ctr"/>
+              <a:r>
+                <a:rPr lang="en-GB" sz="1600" dirty="0">
+                  <a:solidFill>
+                    <a:schemeClr val="tx1"/>
+                  </a:solidFill>
+                </a:rPr>
+                <a:t>Interrupts</a:t>
+              </a:r>
+            </a:p>
+          </p:txBody>
+        </p:sp>
+        <p:sp>
+          <p:nvSpPr>
+            <p:cNvPr id="13" name="Rectangle 12">
+              <a:extLst>
+                <a:ext uri="{FF2B5EF4-FFF2-40B4-BE49-F238E27FC236}">
+                  <a16:creationId xmlns:a16="http://schemas.microsoft.com/office/drawing/2014/main" id="{B0419F08-D237-4A4D-B99B-AC94731A1B44}"/>
+                </a:ext>
+              </a:extLst>
+            </p:cNvPr>
+            <p:cNvSpPr/>
+            <p:nvPr/>
+          </p:nvSpPr>
+          <p:spPr>
+            <a:xfrm>
+              <a:off x="1180820" y="3703266"/>
+              <a:ext cx="1271071" cy="650422"/>
+            </a:xfrm>
+            <a:prstGeom prst="rect">
+              <a:avLst/>
+            </a:prstGeom>
             <a:solidFill>
-              <a:schemeClr val="tx1"/>
+              <a:schemeClr val="bg1"/>
             </a:solidFill>
-          </a:ln>
-        </p:spPr>
-        <p:style>
-          <a:lnRef idx="2">
-            <a:schemeClr val="accent1">
-              <a:shade val="50000"/>
-            </a:schemeClr>
-          </a:lnRef>
-          <a:fillRef idx="1">
-            <a:schemeClr val="accent1"/>
-          </a:fillRef>
-          <a:effectRef idx="0">
-            <a:schemeClr val="accent1"/>
-          </a:effectRef>
-          <a:fontRef idx="minor">
-            <a:schemeClr val="lt1"/>
-          </a:fontRef>
-        </p:style>
-        <p:txBody>
-          <a:bodyPr rtlCol="0" anchor="ctr"/>
-          <a:lstStyle/>
-          <a:p>
-            <a:pPr algn="ctr"/>
-            <a:r>
-              <a:rPr lang="en-GB" dirty="0">
-                <a:solidFill>
-                  <a:schemeClr val="tx1"/>
-                </a:solidFill>
-              </a:rPr>
-              <a:t>SPI driver</a:t>
-            </a:r>
-          </a:p>
-        </p:txBody>
-      </p:sp>
-      <p:sp>
-        <p:nvSpPr>
-          <p:cNvPr id="19" name="Rectangle 18">
-            <a:extLst>
-              <a:ext uri="{FF2B5EF4-FFF2-40B4-BE49-F238E27FC236}">
-                <a16:creationId xmlns:a16="http://schemas.microsoft.com/office/drawing/2014/main" id="{A3673C68-7CD5-FB4D-8CD2-EA82E2591132}"/>
-              </a:ext>
-            </a:extLst>
-          </p:cNvPr>
-          <p:cNvSpPr/>
-          <p:nvPr/>
-        </p:nvSpPr>
-        <p:spPr>
-          <a:xfrm>
-            <a:off x="2770665" y="3688224"/>
-            <a:ext cx="1401529" cy="650422"/>
-          </a:xfrm>
-          <a:prstGeom prst="rect">
-            <a:avLst/>
-          </a:prstGeom>
-          <a:solidFill>
-            <a:schemeClr val="bg1"/>
-          </a:solidFill>
-          <a:ln>
+            <a:ln>
+              <a:solidFill>
+                <a:schemeClr val="tx1"/>
+              </a:solidFill>
+            </a:ln>
+          </p:spPr>
+          <p:style>
+            <a:lnRef idx="2">
+              <a:schemeClr val="accent1">
+                <a:shade val="50000"/>
+              </a:schemeClr>
+            </a:lnRef>
+            <a:fillRef idx="1">
+              <a:schemeClr val="accent1"/>
+            </a:fillRef>
+            <a:effectRef idx="0">
+              <a:schemeClr val="accent1"/>
+            </a:effectRef>
+            <a:fontRef idx="minor">
+              <a:schemeClr val="lt1"/>
+            </a:fontRef>
+          </p:style>
+          <p:txBody>
+            <a:bodyPr rtlCol="0" anchor="ctr"/>
+            <a:lstStyle/>
+            <a:p>
+              <a:pPr algn="ctr"/>
+              <a:r>
+                <a:rPr lang="en-GB" sz="1600" dirty="0">
+                  <a:solidFill>
+                    <a:schemeClr val="tx1"/>
+                  </a:solidFill>
+                </a:rPr>
+                <a:t>LED runner</a:t>
+              </a:r>
+            </a:p>
+          </p:txBody>
+        </p:sp>
+        <p:sp>
+          <p:nvSpPr>
+            <p:cNvPr id="15" name="Rectangle 14">
+              <a:extLst>
+                <a:ext uri="{FF2B5EF4-FFF2-40B4-BE49-F238E27FC236}">
+                  <a16:creationId xmlns:a16="http://schemas.microsoft.com/office/drawing/2014/main" id="{6B8FE807-864F-C44D-A7B9-77664D1DBAB3}"/>
+                </a:ext>
+              </a:extLst>
+            </p:cNvPr>
+            <p:cNvSpPr/>
+            <p:nvPr/>
+          </p:nvSpPr>
+          <p:spPr>
+            <a:xfrm>
+              <a:off x="1180820" y="2927172"/>
+              <a:ext cx="1271070" cy="650422"/>
+            </a:xfrm>
+            <a:prstGeom prst="rect">
+              <a:avLst/>
+            </a:prstGeom>
             <a:solidFill>
-              <a:schemeClr val="tx1"/>
+              <a:schemeClr val="bg1"/>
             </a:solidFill>
-          </a:ln>
-        </p:spPr>
-        <p:style>
-          <a:lnRef idx="2">
-            <a:schemeClr val="accent1">
-              <a:shade val="50000"/>
-            </a:schemeClr>
-          </a:lnRef>
-          <a:fillRef idx="1">
-            <a:schemeClr val="accent1"/>
-          </a:fillRef>
-          <a:effectRef idx="0">
-            <a:schemeClr val="accent1"/>
-          </a:effectRef>
-          <a:fontRef idx="minor">
-            <a:schemeClr val="lt1"/>
-          </a:fontRef>
-        </p:style>
-        <p:txBody>
-          <a:bodyPr rtlCol="0" anchor="ctr"/>
-          <a:lstStyle/>
-          <a:p>
-            <a:pPr algn="ctr"/>
-            <a:r>
-              <a:rPr lang="en-GB" dirty="0">
-                <a:solidFill>
-                  <a:schemeClr val="tx1"/>
-                </a:solidFill>
-              </a:rPr>
-              <a:t>Character generator</a:t>
-            </a:r>
-          </a:p>
-        </p:txBody>
-      </p:sp>
-      <p:sp>
-        <p:nvSpPr>
-          <p:cNvPr id="20" name="Rectangle 19">
-            <a:extLst>
-              <a:ext uri="{FF2B5EF4-FFF2-40B4-BE49-F238E27FC236}">
-                <a16:creationId xmlns:a16="http://schemas.microsoft.com/office/drawing/2014/main" id="{0737B843-E2A9-374B-B370-465953CC7C85}"/>
-              </a:ext>
-            </a:extLst>
-          </p:cNvPr>
-          <p:cNvSpPr/>
-          <p:nvPr/>
-        </p:nvSpPr>
-        <p:spPr>
-          <a:xfrm>
-            <a:off x="2770665" y="4479360"/>
-            <a:ext cx="1401529" cy="650422"/>
-          </a:xfrm>
-          <a:prstGeom prst="rect">
-            <a:avLst/>
-          </a:prstGeom>
-          <a:solidFill>
-            <a:schemeClr val="bg1"/>
-          </a:solidFill>
-          <a:ln>
+            <a:ln>
+              <a:solidFill>
+                <a:schemeClr val="tx1"/>
+              </a:solidFill>
+            </a:ln>
+          </p:spPr>
+          <p:style>
+            <a:lnRef idx="2">
+              <a:schemeClr val="accent1">
+                <a:shade val="50000"/>
+              </a:schemeClr>
+            </a:lnRef>
+            <a:fillRef idx="1">
+              <a:schemeClr val="accent1"/>
+            </a:fillRef>
+            <a:effectRef idx="0">
+              <a:schemeClr val="accent1"/>
+            </a:effectRef>
+            <a:fontRef idx="minor">
+              <a:schemeClr val="lt1"/>
+            </a:fontRef>
+          </p:style>
+          <p:txBody>
+            <a:bodyPr rtlCol="0" anchor="ctr"/>
+            <a:lstStyle/>
+            <a:p>
+              <a:pPr algn="ctr"/>
+              <a:r>
+                <a:rPr lang="en-GB" sz="1600" dirty="0">
+                  <a:solidFill>
+                    <a:schemeClr val="tx1"/>
+                  </a:solidFill>
+                </a:rPr>
+                <a:t>4 channel synthesizer</a:t>
+              </a:r>
+            </a:p>
+          </p:txBody>
+        </p:sp>
+        <p:sp>
+          <p:nvSpPr>
+            <p:cNvPr id="16" name="Rectangle 15">
+              <a:extLst>
+                <a:ext uri="{FF2B5EF4-FFF2-40B4-BE49-F238E27FC236}">
+                  <a16:creationId xmlns:a16="http://schemas.microsoft.com/office/drawing/2014/main" id="{4D168E63-FD0E-9F49-A431-58A16B4C34D9}"/>
+                </a:ext>
+              </a:extLst>
+            </p:cNvPr>
+            <p:cNvSpPr/>
+            <p:nvPr/>
+          </p:nvSpPr>
+          <p:spPr>
+            <a:xfrm>
+              <a:off x="3947160" y="4479360"/>
+              <a:ext cx="1271070" cy="650422"/>
+            </a:xfrm>
+            <a:prstGeom prst="rect">
+              <a:avLst/>
+            </a:prstGeom>
             <a:solidFill>
-              <a:schemeClr val="tx1"/>
+              <a:schemeClr val="bg1"/>
             </a:solidFill>
-          </a:ln>
-        </p:spPr>
-        <p:style>
-          <a:lnRef idx="2">
-            <a:schemeClr val="accent1">
-              <a:shade val="50000"/>
-            </a:schemeClr>
-          </a:lnRef>
-          <a:fillRef idx="1">
-            <a:schemeClr val="accent1"/>
-          </a:fillRef>
-          <a:effectRef idx="0">
-            <a:schemeClr val="accent1"/>
-          </a:effectRef>
-          <a:fontRef idx="minor">
-            <a:schemeClr val="lt1"/>
-          </a:fontRef>
-        </p:style>
-        <p:txBody>
-          <a:bodyPr rtlCol="0" anchor="ctr"/>
-          <a:lstStyle/>
-          <a:p>
-            <a:pPr algn="ctr"/>
-            <a:r>
-              <a:rPr lang="en-GB" dirty="0">
-                <a:solidFill>
-                  <a:schemeClr val="tx1"/>
-                </a:solidFill>
-              </a:rPr>
-              <a:t>Accelerators</a:t>
-            </a:r>
-          </a:p>
-        </p:txBody>
-      </p:sp>
+            <a:ln>
+              <a:solidFill>
+                <a:schemeClr val="tx1"/>
+              </a:solidFill>
+            </a:ln>
+          </p:spPr>
+          <p:style>
+            <a:lnRef idx="2">
+              <a:schemeClr val="accent1">
+                <a:shade val="50000"/>
+              </a:schemeClr>
+            </a:lnRef>
+            <a:fillRef idx="1">
+              <a:schemeClr val="accent1"/>
+            </a:fillRef>
+            <a:effectRef idx="0">
+              <a:schemeClr val="accent1"/>
+            </a:effectRef>
+            <a:fontRef idx="minor">
+              <a:schemeClr val="lt1"/>
+            </a:fontRef>
+          </p:style>
+          <p:txBody>
+            <a:bodyPr rtlCol="0" anchor="ctr"/>
+            <a:lstStyle/>
+            <a:p>
+              <a:pPr algn="ctr"/>
+              <a:r>
+                <a:rPr lang="en-GB" sz="1600" dirty="0">
+                  <a:solidFill>
+                    <a:schemeClr val="tx1"/>
+                  </a:solidFill>
+                </a:rPr>
+                <a:t>Entropy mixer</a:t>
+              </a:r>
+            </a:p>
+          </p:txBody>
+        </p:sp>
+        <p:sp>
+          <p:nvSpPr>
+            <p:cNvPr id="17" name="Rectangle 16">
+              <a:extLst>
+                <a:ext uri="{FF2B5EF4-FFF2-40B4-BE49-F238E27FC236}">
+                  <a16:creationId xmlns:a16="http://schemas.microsoft.com/office/drawing/2014/main" id="{8FAEFC0F-E43D-9848-B015-D5BA4A7167D0}"/>
+                </a:ext>
+              </a:extLst>
+            </p:cNvPr>
+            <p:cNvSpPr/>
+            <p:nvPr/>
+          </p:nvSpPr>
+          <p:spPr>
+            <a:xfrm>
+              <a:off x="3947159" y="2166120"/>
+              <a:ext cx="1271071" cy="650422"/>
+            </a:xfrm>
+            <a:prstGeom prst="rect">
+              <a:avLst/>
+            </a:prstGeom>
+            <a:solidFill>
+              <a:schemeClr val="bg1"/>
+            </a:solidFill>
+            <a:ln>
+              <a:solidFill>
+                <a:schemeClr val="tx1"/>
+              </a:solidFill>
+            </a:ln>
+          </p:spPr>
+          <p:style>
+            <a:lnRef idx="2">
+              <a:schemeClr val="accent1">
+                <a:shade val="50000"/>
+              </a:schemeClr>
+            </a:lnRef>
+            <a:fillRef idx="1">
+              <a:schemeClr val="accent1"/>
+            </a:fillRef>
+            <a:effectRef idx="0">
+              <a:schemeClr val="accent1"/>
+            </a:effectRef>
+            <a:fontRef idx="minor">
+              <a:schemeClr val="lt1"/>
+            </a:fontRef>
+          </p:style>
+          <p:txBody>
+            <a:bodyPr rtlCol="0" anchor="ctr"/>
+            <a:lstStyle/>
+            <a:p>
+              <a:pPr algn="ctr"/>
+              <a:r>
+                <a:rPr lang="en-GB" sz="1600" dirty="0">
+                  <a:solidFill>
+                    <a:schemeClr val="tx1"/>
+                  </a:solidFill>
+                </a:rPr>
+                <a:t>Cold start</a:t>
+              </a:r>
+            </a:p>
+          </p:txBody>
+        </p:sp>
+        <p:sp>
+          <p:nvSpPr>
+            <p:cNvPr id="18" name="Rectangle 17">
+              <a:extLst>
+                <a:ext uri="{FF2B5EF4-FFF2-40B4-BE49-F238E27FC236}">
+                  <a16:creationId xmlns:a16="http://schemas.microsoft.com/office/drawing/2014/main" id="{D6388605-284A-4E41-892A-E3078440F2E3}"/>
+                </a:ext>
+              </a:extLst>
+            </p:cNvPr>
+            <p:cNvSpPr/>
+            <p:nvPr/>
+          </p:nvSpPr>
+          <p:spPr>
+            <a:xfrm>
+              <a:off x="1180820" y="4479360"/>
+              <a:ext cx="1271071" cy="650422"/>
+            </a:xfrm>
+            <a:prstGeom prst="rect">
+              <a:avLst/>
+            </a:prstGeom>
+            <a:solidFill>
+              <a:schemeClr val="bg1"/>
+            </a:solidFill>
+            <a:ln>
+              <a:solidFill>
+                <a:schemeClr val="tx1"/>
+              </a:solidFill>
+            </a:ln>
+          </p:spPr>
+          <p:style>
+            <a:lnRef idx="2">
+              <a:schemeClr val="accent1">
+                <a:shade val="50000"/>
+              </a:schemeClr>
+            </a:lnRef>
+            <a:fillRef idx="1">
+              <a:schemeClr val="accent1"/>
+            </a:fillRef>
+            <a:effectRef idx="0">
+              <a:schemeClr val="accent1"/>
+            </a:effectRef>
+            <a:fontRef idx="minor">
+              <a:schemeClr val="lt1"/>
+            </a:fontRef>
+          </p:style>
+          <p:txBody>
+            <a:bodyPr rtlCol="0" anchor="ctr"/>
+            <a:lstStyle/>
+            <a:p>
+              <a:pPr algn="ctr"/>
+              <a:r>
+                <a:rPr lang="en-GB" sz="1600" dirty="0">
+                  <a:solidFill>
+                    <a:schemeClr val="tx1"/>
+                  </a:solidFill>
+                </a:rPr>
+                <a:t>SPI driver</a:t>
+              </a:r>
+            </a:p>
+          </p:txBody>
+        </p:sp>
+        <p:sp>
+          <p:nvSpPr>
+            <p:cNvPr id="19" name="Rectangle 18">
+              <a:extLst>
+                <a:ext uri="{FF2B5EF4-FFF2-40B4-BE49-F238E27FC236}">
+                  <a16:creationId xmlns:a16="http://schemas.microsoft.com/office/drawing/2014/main" id="{A3673C68-7CD5-FB4D-8CD2-EA82E2591132}"/>
+                </a:ext>
+              </a:extLst>
+            </p:cNvPr>
+            <p:cNvSpPr/>
+            <p:nvPr/>
+          </p:nvSpPr>
+          <p:spPr>
+            <a:xfrm>
+              <a:off x="2563656" y="3703266"/>
+              <a:ext cx="1271071" cy="650422"/>
+            </a:xfrm>
+            <a:prstGeom prst="rect">
+              <a:avLst/>
+            </a:prstGeom>
+            <a:solidFill>
+              <a:schemeClr val="bg1"/>
+            </a:solidFill>
+            <a:ln>
+              <a:solidFill>
+                <a:schemeClr val="tx1"/>
+              </a:solidFill>
+            </a:ln>
+          </p:spPr>
+          <p:style>
+            <a:lnRef idx="2">
+              <a:schemeClr val="accent1">
+                <a:shade val="50000"/>
+              </a:schemeClr>
+            </a:lnRef>
+            <a:fillRef idx="1">
+              <a:schemeClr val="accent1"/>
+            </a:fillRef>
+            <a:effectRef idx="0">
+              <a:schemeClr val="accent1"/>
+            </a:effectRef>
+            <a:fontRef idx="minor">
+              <a:schemeClr val="lt1"/>
+            </a:fontRef>
+          </p:style>
+          <p:txBody>
+            <a:bodyPr rtlCol="0" anchor="ctr"/>
+            <a:lstStyle/>
+            <a:p>
+              <a:pPr algn="ctr"/>
+              <a:r>
+                <a:rPr lang="en-GB" sz="1600" dirty="0">
+                  <a:solidFill>
+                    <a:schemeClr val="tx1"/>
+                  </a:solidFill>
+                </a:rPr>
+                <a:t>Character generator</a:t>
+              </a:r>
+            </a:p>
+          </p:txBody>
+        </p:sp>
+        <p:sp>
+          <p:nvSpPr>
+            <p:cNvPr id="20" name="Rectangle 19">
+              <a:extLst>
+                <a:ext uri="{FF2B5EF4-FFF2-40B4-BE49-F238E27FC236}">
+                  <a16:creationId xmlns:a16="http://schemas.microsoft.com/office/drawing/2014/main" id="{0737B843-E2A9-374B-B370-465953CC7C85}"/>
+                </a:ext>
+              </a:extLst>
+            </p:cNvPr>
+            <p:cNvSpPr/>
+            <p:nvPr/>
+          </p:nvSpPr>
+          <p:spPr>
+            <a:xfrm>
+              <a:off x="2563837" y="4479360"/>
+              <a:ext cx="1271071" cy="650422"/>
+            </a:xfrm>
+            <a:prstGeom prst="rect">
+              <a:avLst/>
+            </a:prstGeom>
+            <a:solidFill>
+              <a:schemeClr val="bg1"/>
+            </a:solidFill>
+            <a:ln>
+              <a:solidFill>
+                <a:schemeClr val="tx1"/>
+              </a:solidFill>
+            </a:ln>
+          </p:spPr>
+          <p:style>
+            <a:lnRef idx="2">
+              <a:schemeClr val="accent1">
+                <a:shade val="50000"/>
+              </a:schemeClr>
+            </a:lnRef>
+            <a:fillRef idx="1">
+              <a:schemeClr val="accent1"/>
+            </a:fillRef>
+            <a:effectRef idx="0">
+              <a:schemeClr val="accent1"/>
+            </a:effectRef>
+            <a:fontRef idx="minor">
+              <a:schemeClr val="lt1"/>
+            </a:fontRef>
+          </p:style>
+          <p:txBody>
+            <a:bodyPr rtlCol="0" anchor="ctr"/>
+            <a:lstStyle/>
+            <a:p>
+              <a:pPr algn="ctr"/>
+              <a:r>
+                <a:rPr lang="en-GB" sz="1600" dirty="0">
+                  <a:solidFill>
+                    <a:schemeClr val="tx1"/>
+                  </a:solidFill>
+                </a:rPr>
+                <a:t>Accelerators</a:t>
+              </a:r>
+            </a:p>
+          </p:txBody>
+        </p:sp>
+      </p:grpSp>
       <p:sp>
         <p:nvSpPr>
           <p:cNvPr id="24" name="Rectangle 23">
@@ -6419,7 +6440,7 @@
         </p:nvSpPr>
         <p:spPr>
           <a:xfrm>
-            <a:off x="1983426" y="5128653"/>
+            <a:off x="1736276" y="5099160"/>
             <a:ext cx="2987100" cy="1077218"/>
           </a:xfrm>
           <a:prstGeom prst="rect">
@@ -6470,7 +6491,7 @@
         </p:nvSpPr>
         <p:spPr>
           <a:xfrm>
-            <a:off x="7553543" y="5128653"/>
+            <a:off x="7482677" y="5099160"/>
             <a:ext cx="2091022" cy="1077218"/>
           </a:xfrm>
           <a:prstGeom prst="rect">
@@ -6600,6 +6621,141 @@
           </a:p>
         </p:txBody>
       </p:sp>
+      <p:grpSp>
+        <p:nvGrpSpPr>
+          <p:cNvPr id="6" name="Group 5">
+            <a:extLst>
+              <a:ext uri="{FF2B5EF4-FFF2-40B4-BE49-F238E27FC236}">
+                <a16:creationId xmlns:a16="http://schemas.microsoft.com/office/drawing/2014/main" id="{E0D6BF9B-48CB-DD4A-8047-20D26D5E54D4}"/>
+              </a:ext>
+            </a:extLst>
+          </p:cNvPr>
+          <p:cNvGrpSpPr/>
+          <p:nvPr/>
+        </p:nvGrpSpPr>
+        <p:grpSpPr>
+          <a:xfrm>
+            <a:off x="5535646" y="1970314"/>
+            <a:ext cx="864439" cy="253662"/>
+            <a:chOff x="6204326" y="1970314"/>
+            <a:chExt cx="864439" cy="253662"/>
+          </a:xfrm>
+        </p:grpSpPr>
+        <p:sp>
+          <p:nvSpPr>
+            <p:cNvPr id="2" name="Trapezium 1">
+              <a:extLst>
+                <a:ext uri="{FF2B5EF4-FFF2-40B4-BE49-F238E27FC236}">
+                  <a16:creationId xmlns:a16="http://schemas.microsoft.com/office/drawing/2014/main" id="{4B369B81-0383-574E-9DCA-59851D19FDBB}"/>
+                </a:ext>
+              </a:extLst>
+            </p:cNvPr>
+            <p:cNvSpPr/>
+            <p:nvPr/>
+          </p:nvSpPr>
+          <p:spPr>
+            <a:xfrm>
+              <a:off x="6273678" y="1970314"/>
+              <a:ext cx="716776" cy="224191"/>
+            </a:xfrm>
+            <a:prstGeom prst="trapezoid">
+              <a:avLst/>
+            </a:prstGeom>
+            <a:solidFill>
+              <a:schemeClr val="bg1"/>
+            </a:solidFill>
+            <a:ln>
+              <a:solidFill>
+                <a:schemeClr val="tx1"/>
+              </a:solidFill>
+            </a:ln>
+          </p:spPr>
+          <p:style>
+            <a:lnRef idx="2">
+              <a:schemeClr val="accent1">
+                <a:shade val="50000"/>
+              </a:schemeClr>
+            </a:lnRef>
+            <a:fillRef idx="1">
+              <a:schemeClr val="accent1"/>
+            </a:fillRef>
+            <a:effectRef idx="0">
+              <a:schemeClr val="accent1"/>
+            </a:effectRef>
+            <a:fontRef idx="minor">
+              <a:schemeClr val="lt1"/>
+            </a:fontRef>
+          </p:style>
+          <p:txBody>
+            <a:bodyPr rtlCol="0" anchor="ctr"/>
+            <a:lstStyle/>
+            <a:p>
+              <a:pPr algn="ctr"/>
+              <a:endParaRPr lang="nl-NL" sz="1200">
+                <a:solidFill>
+                  <a:schemeClr val="tx1"/>
+                </a:solidFill>
+              </a:endParaRPr>
+            </a:p>
+          </p:txBody>
+        </p:sp>
+        <p:sp>
+          <p:nvSpPr>
+            <p:cNvPr id="63" name="Trapezium 62">
+              <a:extLst>
+                <a:ext uri="{FF2B5EF4-FFF2-40B4-BE49-F238E27FC236}">
+                  <a16:creationId xmlns:a16="http://schemas.microsoft.com/office/drawing/2014/main" id="{EA051852-5FF0-ED4F-8F2E-2304CAE3145F}"/>
+                </a:ext>
+              </a:extLst>
+            </p:cNvPr>
+            <p:cNvSpPr/>
+            <p:nvPr/>
+          </p:nvSpPr>
+          <p:spPr>
+            <a:xfrm>
+              <a:off x="6204326" y="2178257"/>
+              <a:ext cx="864439" cy="45719"/>
+            </a:xfrm>
+            <a:prstGeom prst="trapezoid">
+              <a:avLst/>
+            </a:prstGeom>
+            <a:solidFill>
+              <a:schemeClr val="bg1"/>
+            </a:solidFill>
+            <a:ln>
+              <a:noFill/>
+            </a:ln>
+          </p:spPr>
+          <p:style>
+            <a:lnRef idx="2">
+              <a:schemeClr val="accent1">
+                <a:shade val="50000"/>
+              </a:schemeClr>
+            </a:lnRef>
+            <a:fillRef idx="1">
+              <a:schemeClr val="accent1"/>
+            </a:fillRef>
+            <a:effectRef idx="0">
+              <a:schemeClr val="accent1"/>
+            </a:effectRef>
+            <a:fontRef idx="minor">
+              <a:schemeClr val="lt1"/>
+            </a:fontRef>
+          </p:style>
+          <p:txBody>
+            <a:bodyPr rtlCol="0" anchor="ctr"/>
+            <a:lstStyle/>
+            <a:p>
+              <a:pPr algn="ctr"/>
+              <a:endParaRPr lang="nl-NL" sz="1200">
+                <a:solidFill>
+                  <a:schemeClr val="tx1"/>
+                </a:solidFill>
+              </a:endParaRPr>
+            </a:p>
+          </p:txBody>
+        </p:sp>
+      </p:grpSp>
     </p:spTree>
     <p:extLst>
       <p:ext uri="{BB962C8B-B14F-4D97-AF65-F5344CB8AC3E}">
